--- a/Apresentação PanDev.pptx
+++ b/Apresentação PanDev.pptx
@@ -13,7 +13,12 @@
     <p:sldId id="264" r:id="rId7"/>
     <p:sldId id="267" r:id="rId8"/>
     <p:sldId id="266" r:id="rId9"/>
-    <p:sldId id="268" r:id="rId10"/>
+    <p:sldId id="269" r:id="rId10"/>
+    <p:sldId id="270" r:id="rId11"/>
+    <p:sldId id="271" r:id="rId12"/>
+    <p:sldId id="274" r:id="rId13"/>
+    <p:sldId id="273" r:id="rId14"/>
+    <p:sldId id="268" r:id="rId15"/>
   </p:sldIdLst>
   <p:sldSz cx="12192000" cy="6858000"/>
   <p:notesSz cx="6858000" cy="9144000"/>
@@ -112,6 +117,11 @@
       </a:defRPr>
     </a:lvl9pPr>
   </p:defaultTextStyle>
+  <p:extLst>
+    <p:ext uri="{EFAFB233-063F-42B5-8137-9DF3F51BA10A}">
+      <p15:sldGuideLst xmlns:p15="http://schemas.microsoft.com/office/powerpoint/2012/main"/>
+    </p:ext>
+  </p:extLst>
 </p:presentation>
 </file>
 
@@ -3853,6 +3863,1170 @@
 </p:sld>
 </file>
 
+<file path=ppt/slides/slide10.xml><?xml version="1.0" encoding="utf-8"?>
+<p:sld xmlns:a="http://schemas.openxmlformats.org/drawingml/2006/main" xmlns:r="http://schemas.openxmlformats.org/officeDocument/2006/relationships" xmlns:p="http://schemas.openxmlformats.org/presentationml/2006/main">
+  <p:cSld>
+    <p:spTree>
+      <p:nvGrpSpPr>
+        <p:cNvPr id="1" name=""/>
+        <p:cNvGrpSpPr/>
+        <p:nvPr/>
+      </p:nvGrpSpPr>
+      <p:grpSpPr>
+        <a:xfrm>
+          <a:off x="0" y="0"/>
+          <a:ext cx="0" cy="0"/>
+          <a:chOff x="0" y="0"/>
+          <a:chExt cx="0" cy="0"/>
+        </a:xfrm>
+      </p:grpSpPr>
+      <p:pic>
+        <p:nvPicPr>
+          <p:cNvPr id="4" name="Picture 2" descr="Aprender a programar te ensina a não ser programado | BossaBox">
+            <a:extLst>
+              <a:ext uri="{FF2B5EF4-FFF2-40B4-BE49-F238E27FC236}">
+                <a16:creationId xmlns:a16="http://schemas.microsoft.com/office/drawing/2014/main" id="{F7D7CF8B-FAAC-4029-99B5-ACFF7FC8DC83}"/>
+              </a:ext>
+            </a:extLst>
+          </p:cNvPr>
+          <p:cNvPicPr>
+            <a:picLocks noChangeAspect="1" noChangeArrowheads="1"/>
+          </p:cNvPicPr>
+          <p:nvPr/>
+        </p:nvPicPr>
+        <p:blipFill rotWithShape="1">
+          <a:blip r:embed="rId2">
+            <a:alphaModFix amt="50000"/>
+            <a:extLst>
+              <a:ext uri="{28A0092B-C50C-407E-A947-70E740481C1C}">
+                <a14:useLocalDpi xmlns:a14="http://schemas.microsoft.com/office/drawing/2010/main" val="0"/>
+              </a:ext>
+            </a:extLst>
+          </a:blip>
+          <a:srcRect l="1" r="232" b="74974"/>
+          <a:stretch/>
+        </p:blipFill>
+        <p:spPr bwMode="auto">
+          <a:xfrm>
+            <a:off x="0" y="0"/>
+            <a:ext cx="12192000" cy="1716258"/>
+          </a:xfrm>
+          <a:prstGeom prst="rect">
+            <a:avLst/>
+          </a:prstGeom>
+          <a:noFill/>
+          <a:extLst>
+            <a:ext uri="{909E8E84-426E-40DD-AFC4-6F175D3DCCD1}">
+              <a14:hiddenFill xmlns:a14="http://schemas.microsoft.com/office/drawing/2010/main">
+                <a:solidFill>
+                  <a:srgbClr val="FFFFFF"/>
+                </a:solidFill>
+              </a14:hiddenFill>
+            </a:ext>
+          </a:extLst>
+        </p:spPr>
+      </p:pic>
+      <p:sp>
+        <p:nvSpPr>
+          <p:cNvPr id="5" name="Título 1">
+            <a:extLst>
+              <a:ext uri="{FF2B5EF4-FFF2-40B4-BE49-F238E27FC236}">
+                <a16:creationId xmlns:a16="http://schemas.microsoft.com/office/drawing/2014/main" id="{F34209D3-DDAA-4508-9439-AEC8698F1BA5}"/>
+              </a:ext>
+            </a:extLst>
+          </p:cNvPr>
+          <p:cNvSpPr txBox="1">
+            <a:spLocks/>
+          </p:cNvSpPr>
+          <p:nvPr/>
+        </p:nvSpPr>
+        <p:spPr>
+          <a:xfrm>
+            <a:off x="196949" y="500062"/>
+            <a:ext cx="11774658" cy="1325563"/>
+          </a:xfrm>
+          <a:prstGeom prst="rect">
+            <a:avLst/>
+          </a:prstGeom>
+        </p:spPr>
+        <p:txBody>
+          <a:bodyPr vert="horz" lIns="91440" tIns="45720" rIns="91440" bIns="45720" rtlCol="0" anchor="ctr">
+            <a:normAutofit/>
+          </a:bodyPr>
+          <a:lstStyle>
+            <a:lvl1pPr algn="l" defTabSz="914400" rtl="0" eaLnBrk="1" latinLnBrk="0" hangingPunct="1">
+              <a:lnSpc>
+                <a:spcPct val="90000"/>
+              </a:lnSpc>
+              <a:spcBef>
+                <a:spcPct val="0"/>
+              </a:spcBef>
+              <a:buNone/>
+              <a:defRPr sz="4400" kern="1200">
+                <a:solidFill>
+                  <a:schemeClr val="tx1"/>
+                </a:solidFill>
+                <a:latin typeface="+mj-lt"/>
+                <a:ea typeface="+mj-ea"/>
+                <a:cs typeface="+mj-cs"/>
+              </a:defRPr>
+            </a:lvl1pPr>
+          </a:lstStyle>
+          <a:p>
+            <a:r>
+              <a:rPr lang="pt-BR" sz="5400" b="1" dirty="0">
+                <a:solidFill>
+                  <a:srgbClr val="FFC000"/>
+                </a:solidFill>
+                <a:latin typeface="Itau Display" panose="020B0503020204020204" pitchFamily="34" charset="0"/>
+                <a:cs typeface="Itau Display" panose="020B0503020204020204" pitchFamily="34" charset="0"/>
+              </a:rPr>
+              <a:t>&lt;</a:t>
+            </a:r>
+            <a:r>
+              <a:rPr lang="pt-BR" sz="5400" b="1" dirty="0">
+                <a:solidFill>
+                  <a:schemeClr val="bg1"/>
+                </a:solidFill>
+                <a:latin typeface="Itau Display" panose="020B0503020204020204" pitchFamily="34" charset="0"/>
+                <a:cs typeface="Itau Display" panose="020B0503020204020204" pitchFamily="34" charset="0"/>
+              </a:rPr>
+              <a:t>Tela de Perfil</a:t>
+            </a:r>
+            <a:r>
+              <a:rPr lang="pt-BR" sz="5400" b="1" dirty="0">
+                <a:solidFill>
+                  <a:srgbClr val="FFC000"/>
+                </a:solidFill>
+                <a:latin typeface="Itau Display" panose="020B0503020204020204" pitchFamily="34" charset="0"/>
+                <a:cs typeface="Itau Display" panose="020B0503020204020204" pitchFamily="34" charset="0"/>
+              </a:rPr>
+              <a:t>&gt;</a:t>
+            </a:r>
+          </a:p>
+        </p:txBody>
+      </p:sp>
+      <p:pic>
+        <p:nvPicPr>
+          <p:cNvPr id="3074" name="Picture 2">
+            <a:extLst>
+              <a:ext uri="{FF2B5EF4-FFF2-40B4-BE49-F238E27FC236}">
+                <a16:creationId xmlns:a16="http://schemas.microsoft.com/office/drawing/2014/main" id="{93DC8400-58B1-457C-AD26-5930EB45F86D}"/>
+              </a:ext>
+            </a:extLst>
+          </p:cNvPr>
+          <p:cNvPicPr>
+            <a:picLocks noChangeAspect="1" noChangeArrowheads="1"/>
+          </p:cNvPicPr>
+          <p:nvPr/>
+        </p:nvPicPr>
+        <p:blipFill>
+          <a:blip r:embed="rId3">
+            <a:extLst>
+              <a:ext uri="{28A0092B-C50C-407E-A947-70E740481C1C}">
+                <a14:useLocalDpi xmlns:a14="http://schemas.microsoft.com/office/drawing/2010/main" val="0"/>
+              </a:ext>
+            </a:extLst>
+          </a:blip>
+          <a:srcRect/>
+          <a:stretch>
+            <a:fillRect/>
+          </a:stretch>
+        </p:blipFill>
+        <p:spPr bwMode="auto">
+          <a:xfrm>
+            <a:off x="2209800" y="1900238"/>
+            <a:ext cx="7772399" cy="4753780"/>
+          </a:xfrm>
+          <a:prstGeom prst="rect">
+            <a:avLst/>
+          </a:prstGeom>
+          <a:noFill/>
+          <a:extLst>
+            <a:ext uri="{909E8E84-426E-40DD-AFC4-6F175D3DCCD1}">
+              <a14:hiddenFill xmlns:a14="http://schemas.microsoft.com/office/drawing/2010/main">
+                <a:solidFill>
+                  <a:srgbClr val="FFFFFF"/>
+                </a:solidFill>
+              </a14:hiddenFill>
+            </a:ext>
+          </a:extLst>
+        </p:spPr>
+      </p:pic>
+    </p:spTree>
+    <p:extLst>
+      <p:ext uri="{BB962C8B-B14F-4D97-AF65-F5344CB8AC3E}">
+        <p14:creationId xmlns:p14="http://schemas.microsoft.com/office/powerpoint/2010/main" val="2558150947"/>
+      </p:ext>
+    </p:extLst>
+  </p:cSld>
+  <p:clrMapOvr>
+    <a:masterClrMapping/>
+  </p:clrMapOvr>
+</p:sld>
+</file>
+
+<file path=ppt/slides/slide11.xml><?xml version="1.0" encoding="utf-8"?>
+<p:sld xmlns:a="http://schemas.openxmlformats.org/drawingml/2006/main" xmlns:r="http://schemas.openxmlformats.org/officeDocument/2006/relationships" xmlns:p="http://schemas.openxmlformats.org/presentationml/2006/main">
+  <p:cSld>
+    <p:spTree>
+      <p:nvGrpSpPr>
+        <p:cNvPr id="1" name=""/>
+        <p:cNvGrpSpPr/>
+        <p:nvPr/>
+      </p:nvGrpSpPr>
+      <p:grpSpPr>
+        <a:xfrm>
+          <a:off x="0" y="0"/>
+          <a:ext cx="0" cy="0"/>
+          <a:chOff x="0" y="0"/>
+          <a:chExt cx="0" cy="0"/>
+        </a:xfrm>
+      </p:grpSpPr>
+      <p:pic>
+        <p:nvPicPr>
+          <p:cNvPr id="4" name="Picture 2" descr="Aprender a programar te ensina a não ser programado | BossaBox">
+            <a:extLst>
+              <a:ext uri="{FF2B5EF4-FFF2-40B4-BE49-F238E27FC236}">
+                <a16:creationId xmlns:a16="http://schemas.microsoft.com/office/drawing/2014/main" id="{F7D7CF8B-FAAC-4029-99B5-ACFF7FC8DC83}"/>
+              </a:ext>
+            </a:extLst>
+          </p:cNvPr>
+          <p:cNvPicPr>
+            <a:picLocks noChangeAspect="1" noChangeArrowheads="1"/>
+          </p:cNvPicPr>
+          <p:nvPr/>
+        </p:nvPicPr>
+        <p:blipFill rotWithShape="1">
+          <a:blip r:embed="rId2">
+            <a:alphaModFix amt="50000"/>
+            <a:extLst>
+              <a:ext uri="{28A0092B-C50C-407E-A947-70E740481C1C}">
+                <a14:useLocalDpi xmlns:a14="http://schemas.microsoft.com/office/drawing/2010/main" val="0"/>
+              </a:ext>
+            </a:extLst>
+          </a:blip>
+          <a:srcRect l="1" r="232" b="74974"/>
+          <a:stretch/>
+        </p:blipFill>
+        <p:spPr bwMode="auto">
+          <a:xfrm>
+            <a:off x="0" y="0"/>
+            <a:ext cx="12192000" cy="1716258"/>
+          </a:xfrm>
+          <a:prstGeom prst="rect">
+            <a:avLst/>
+          </a:prstGeom>
+          <a:noFill/>
+          <a:extLst>
+            <a:ext uri="{909E8E84-426E-40DD-AFC4-6F175D3DCCD1}">
+              <a14:hiddenFill xmlns:a14="http://schemas.microsoft.com/office/drawing/2010/main">
+                <a:solidFill>
+                  <a:srgbClr val="FFFFFF"/>
+                </a:solidFill>
+              </a14:hiddenFill>
+            </a:ext>
+          </a:extLst>
+        </p:spPr>
+      </p:pic>
+      <p:sp>
+        <p:nvSpPr>
+          <p:cNvPr id="5" name="Título 1">
+            <a:extLst>
+              <a:ext uri="{FF2B5EF4-FFF2-40B4-BE49-F238E27FC236}">
+                <a16:creationId xmlns:a16="http://schemas.microsoft.com/office/drawing/2014/main" id="{F34209D3-DDAA-4508-9439-AEC8698F1BA5}"/>
+              </a:ext>
+            </a:extLst>
+          </p:cNvPr>
+          <p:cNvSpPr txBox="1">
+            <a:spLocks/>
+          </p:cNvSpPr>
+          <p:nvPr/>
+        </p:nvSpPr>
+        <p:spPr>
+          <a:xfrm>
+            <a:off x="196949" y="500062"/>
+            <a:ext cx="11774658" cy="1325563"/>
+          </a:xfrm>
+          <a:prstGeom prst="rect">
+            <a:avLst/>
+          </a:prstGeom>
+        </p:spPr>
+        <p:txBody>
+          <a:bodyPr vert="horz" lIns="91440" tIns="45720" rIns="91440" bIns="45720" rtlCol="0" anchor="ctr">
+            <a:normAutofit/>
+          </a:bodyPr>
+          <a:lstStyle>
+            <a:lvl1pPr algn="l" defTabSz="914400" rtl="0" eaLnBrk="1" latinLnBrk="0" hangingPunct="1">
+              <a:lnSpc>
+                <a:spcPct val="90000"/>
+              </a:lnSpc>
+              <a:spcBef>
+                <a:spcPct val="0"/>
+              </a:spcBef>
+              <a:buNone/>
+              <a:defRPr sz="4400" kern="1200">
+                <a:solidFill>
+                  <a:schemeClr val="tx1"/>
+                </a:solidFill>
+                <a:latin typeface="+mj-lt"/>
+                <a:ea typeface="+mj-ea"/>
+                <a:cs typeface="+mj-cs"/>
+              </a:defRPr>
+            </a:lvl1pPr>
+          </a:lstStyle>
+          <a:p>
+            <a:r>
+              <a:rPr lang="pt-BR" sz="5400" b="1" dirty="0">
+                <a:solidFill>
+                  <a:srgbClr val="FFC000"/>
+                </a:solidFill>
+                <a:latin typeface="Itau Display" panose="020B0503020204020204" pitchFamily="34" charset="0"/>
+                <a:cs typeface="Itau Display" panose="020B0503020204020204" pitchFamily="34" charset="0"/>
+              </a:rPr>
+              <a:t>&lt;</a:t>
+            </a:r>
+            <a:r>
+              <a:rPr lang="pt-BR" sz="5400" b="1" dirty="0">
+                <a:solidFill>
+                  <a:schemeClr val="bg1"/>
+                </a:solidFill>
+                <a:latin typeface="Itau Display" panose="020B0503020204020204" pitchFamily="34" charset="0"/>
+                <a:cs typeface="Itau Display" panose="020B0503020204020204" pitchFamily="34" charset="0"/>
+              </a:rPr>
+              <a:t>Tela de Departamentos</a:t>
+            </a:r>
+            <a:r>
+              <a:rPr lang="pt-BR" sz="5400" b="1" dirty="0">
+                <a:solidFill>
+                  <a:srgbClr val="FFC000"/>
+                </a:solidFill>
+                <a:latin typeface="Itau Display" panose="020B0503020204020204" pitchFamily="34" charset="0"/>
+                <a:cs typeface="Itau Display" panose="020B0503020204020204" pitchFamily="34" charset="0"/>
+              </a:rPr>
+              <a:t>&gt;</a:t>
+            </a:r>
+          </a:p>
+        </p:txBody>
+      </p:sp>
+      <p:pic>
+        <p:nvPicPr>
+          <p:cNvPr id="2050" name="Picture 2">
+            <a:extLst>
+              <a:ext uri="{FF2B5EF4-FFF2-40B4-BE49-F238E27FC236}">
+                <a16:creationId xmlns:a16="http://schemas.microsoft.com/office/drawing/2014/main" id="{1DE079B8-F9AE-4461-A863-6FD6DAC7939B}"/>
+              </a:ext>
+            </a:extLst>
+          </p:cNvPr>
+          <p:cNvPicPr>
+            <a:picLocks noChangeAspect="1" noChangeArrowheads="1"/>
+          </p:cNvPicPr>
+          <p:nvPr/>
+        </p:nvPicPr>
+        <p:blipFill>
+          <a:blip r:embed="rId3">
+            <a:extLst>
+              <a:ext uri="{28A0092B-C50C-407E-A947-70E740481C1C}">
+                <a14:useLocalDpi xmlns:a14="http://schemas.microsoft.com/office/drawing/2010/main" val="0"/>
+              </a:ext>
+            </a:extLst>
+          </a:blip>
+          <a:srcRect/>
+          <a:stretch>
+            <a:fillRect/>
+          </a:stretch>
+        </p:blipFill>
+        <p:spPr bwMode="auto">
+          <a:xfrm>
+            <a:off x="2323348" y="1825625"/>
+            <a:ext cx="7545303" cy="3280567"/>
+          </a:xfrm>
+          <a:prstGeom prst="rect">
+            <a:avLst/>
+          </a:prstGeom>
+          <a:noFill/>
+          <a:extLst>
+            <a:ext uri="{909E8E84-426E-40DD-AFC4-6F175D3DCCD1}">
+              <a14:hiddenFill xmlns:a14="http://schemas.microsoft.com/office/drawing/2010/main">
+                <a:solidFill>
+                  <a:srgbClr val="FFFFFF"/>
+                </a:solidFill>
+              </a14:hiddenFill>
+            </a:ext>
+          </a:extLst>
+        </p:spPr>
+      </p:pic>
+    </p:spTree>
+    <p:extLst>
+      <p:ext uri="{BB962C8B-B14F-4D97-AF65-F5344CB8AC3E}">
+        <p14:creationId xmlns:p14="http://schemas.microsoft.com/office/powerpoint/2010/main" val="738302405"/>
+      </p:ext>
+    </p:extLst>
+  </p:cSld>
+  <p:clrMapOvr>
+    <a:masterClrMapping/>
+  </p:clrMapOvr>
+</p:sld>
+</file>
+
+<file path=ppt/slides/slide12.xml><?xml version="1.0" encoding="utf-8"?>
+<p:sld xmlns:a="http://schemas.openxmlformats.org/drawingml/2006/main" xmlns:r="http://schemas.openxmlformats.org/officeDocument/2006/relationships" xmlns:p="http://schemas.openxmlformats.org/presentationml/2006/main">
+  <p:cSld>
+    <p:spTree>
+      <p:nvGrpSpPr>
+        <p:cNvPr id="1" name=""/>
+        <p:cNvGrpSpPr/>
+        <p:nvPr/>
+      </p:nvGrpSpPr>
+      <p:grpSpPr>
+        <a:xfrm>
+          <a:off x="0" y="0"/>
+          <a:ext cx="0" cy="0"/>
+          <a:chOff x="0" y="0"/>
+          <a:chExt cx="0" cy="0"/>
+        </a:xfrm>
+      </p:grpSpPr>
+      <p:pic>
+        <p:nvPicPr>
+          <p:cNvPr id="4" name="Picture 2" descr="Aprender a programar te ensina a não ser programado | BossaBox">
+            <a:extLst>
+              <a:ext uri="{FF2B5EF4-FFF2-40B4-BE49-F238E27FC236}">
+                <a16:creationId xmlns:a16="http://schemas.microsoft.com/office/drawing/2014/main" id="{F7D7CF8B-FAAC-4029-99B5-ACFF7FC8DC83}"/>
+              </a:ext>
+            </a:extLst>
+          </p:cNvPr>
+          <p:cNvPicPr>
+            <a:picLocks noChangeAspect="1" noChangeArrowheads="1"/>
+          </p:cNvPicPr>
+          <p:nvPr/>
+        </p:nvPicPr>
+        <p:blipFill rotWithShape="1">
+          <a:blip r:embed="rId2">
+            <a:alphaModFix amt="50000"/>
+            <a:extLst>
+              <a:ext uri="{28A0092B-C50C-407E-A947-70E740481C1C}">
+                <a14:useLocalDpi xmlns:a14="http://schemas.microsoft.com/office/drawing/2010/main" val="0"/>
+              </a:ext>
+            </a:extLst>
+          </a:blip>
+          <a:srcRect l="1" r="232" b="74974"/>
+          <a:stretch/>
+        </p:blipFill>
+        <p:spPr bwMode="auto">
+          <a:xfrm>
+            <a:off x="0" y="0"/>
+            <a:ext cx="12192000" cy="1716258"/>
+          </a:xfrm>
+          <a:prstGeom prst="rect">
+            <a:avLst/>
+          </a:prstGeom>
+          <a:noFill/>
+          <a:extLst>
+            <a:ext uri="{909E8E84-426E-40DD-AFC4-6F175D3DCCD1}">
+              <a14:hiddenFill xmlns:a14="http://schemas.microsoft.com/office/drawing/2010/main">
+                <a:solidFill>
+                  <a:srgbClr val="FFFFFF"/>
+                </a:solidFill>
+              </a14:hiddenFill>
+            </a:ext>
+          </a:extLst>
+        </p:spPr>
+      </p:pic>
+      <p:sp>
+        <p:nvSpPr>
+          <p:cNvPr id="5" name="Título 1">
+            <a:extLst>
+              <a:ext uri="{FF2B5EF4-FFF2-40B4-BE49-F238E27FC236}">
+                <a16:creationId xmlns:a16="http://schemas.microsoft.com/office/drawing/2014/main" id="{F34209D3-DDAA-4508-9439-AEC8698F1BA5}"/>
+              </a:ext>
+            </a:extLst>
+          </p:cNvPr>
+          <p:cNvSpPr txBox="1">
+            <a:spLocks/>
+          </p:cNvSpPr>
+          <p:nvPr/>
+        </p:nvSpPr>
+        <p:spPr>
+          <a:xfrm>
+            <a:off x="196949" y="500062"/>
+            <a:ext cx="11774658" cy="1325563"/>
+          </a:xfrm>
+          <a:prstGeom prst="rect">
+            <a:avLst/>
+          </a:prstGeom>
+        </p:spPr>
+        <p:txBody>
+          <a:bodyPr vert="horz" lIns="91440" tIns="45720" rIns="91440" bIns="45720" rtlCol="0" anchor="ctr">
+            <a:normAutofit/>
+          </a:bodyPr>
+          <a:lstStyle>
+            <a:lvl1pPr algn="l" defTabSz="914400" rtl="0" eaLnBrk="1" latinLnBrk="0" hangingPunct="1">
+              <a:lnSpc>
+                <a:spcPct val="90000"/>
+              </a:lnSpc>
+              <a:spcBef>
+                <a:spcPct val="0"/>
+              </a:spcBef>
+              <a:buNone/>
+              <a:defRPr sz="4400" kern="1200">
+                <a:solidFill>
+                  <a:schemeClr val="tx1"/>
+                </a:solidFill>
+                <a:latin typeface="+mj-lt"/>
+                <a:ea typeface="+mj-ea"/>
+                <a:cs typeface="+mj-cs"/>
+              </a:defRPr>
+            </a:lvl1pPr>
+          </a:lstStyle>
+          <a:p>
+            <a:r>
+              <a:rPr lang="pt-BR" sz="5400" b="1" dirty="0">
+                <a:solidFill>
+                  <a:srgbClr val="FFC000"/>
+                </a:solidFill>
+                <a:latin typeface="Itau Display" panose="020B0503020204020204" pitchFamily="34" charset="0"/>
+                <a:cs typeface="Itau Display" panose="020B0503020204020204" pitchFamily="34" charset="0"/>
+              </a:rPr>
+              <a:t>&lt;</a:t>
+            </a:r>
+            <a:r>
+              <a:rPr lang="pt-BR" sz="5400" b="1" dirty="0">
+                <a:solidFill>
+                  <a:schemeClr val="bg1"/>
+                </a:solidFill>
+                <a:latin typeface="Itau Display" panose="020B0503020204020204" pitchFamily="34" charset="0"/>
+                <a:cs typeface="Itau Display" panose="020B0503020204020204" pitchFamily="34" charset="0"/>
+              </a:rPr>
+              <a:t>Tela de Nova Solicitação</a:t>
+            </a:r>
+            <a:r>
+              <a:rPr lang="pt-BR" sz="5400" b="1" dirty="0">
+                <a:solidFill>
+                  <a:srgbClr val="FFC000"/>
+                </a:solidFill>
+                <a:latin typeface="Itau Display" panose="020B0503020204020204" pitchFamily="34" charset="0"/>
+                <a:cs typeface="Itau Display" panose="020B0503020204020204" pitchFamily="34" charset="0"/>
+              </a:rPr>
+              <a:t>&gt;</a:t>
+            </a:r>
+          </a:p>
+        </p:txBody>
+      </p:sp>
+      <p:pic>
+        <p:nvPicPr>
+          <p:cNvPr id="5124" name="Picture 4">
+            <a:extLst>
+              <a:ext uri="{FF2B5EF4-FFF2-40B4-BE49-F238E27FC236}">
+                <a16:creationId xmlns:a16="http://schemas.microsoft.com/office/drawing/2014/main" id="{42A17F25-0CC1-43CA-8B3D-EA8364A5B434}"/>
+              </a:ext>
+            </a:extLst>
+          </p:cNvPr>
+          <p:cNvPicPr>
+            <a:picLocks noChangeAspect="1" noChangeArrowheads="1"/>
+          </p:cNvPicPr>
+          <p:nvPr/>
+        </p:nvPicPr>
+        <p:blipFill>
+          <a:blip r:embed="rId3">
+            <a:extLst>
+              <a:ext uri="{28A0092B-C50C-407E-A947-70E740481C1C}">
+                <a14:useLocalDpi xmlns:a14="http://schemas.microsoft.com/office/drawing/2010/main" val="0"/>
+              </a:ext>
+            </a:extLst>
+          </a:blip>
+          <a:srcRect/>
+          <a:stretch>
+            <a:fillRect/>
+          </a:stretch>
+        </p:blipFill>
+        <p:spPr bwMode="auto">
+          <a:xfrm>
+            <a:off x="2315435" y="1825625"/>
+            <a:ext cx="7537685" cy="4926867"/>
+          </a:xfrm>
+          <a:prstGeom prst="rect">
+            <a:avLst/>
+          </a:prstGeom>
+          <a:noFill/>
+          <a:extLst>
+            <a:ext uri="{909E8E84-426E-40DD-AFC4-6F175D3DCCD1}">
+              <a14:hiddenFill xmlns:a14="http://schemas.microsoft.com/office/drawing/2010/main">
+                <a:solidFill>
+                  <a:srgbClr val="FFFFFF"/>
+                </a:solidFill>
+              </a14:hiddenFill>
+            </a:ext>
+          </a:extLst>
+        </p:spPr>
+      </p:pic>
+    </p:spTree>
+    <p:extLst>
+      <p:ext uri="{BB962C8B-B14F-4D97-AF65-F5344CB8AC3E}">
+        <p14:creationId xmlns:p14="http://schemas.microsoft.com/office/powerpoint/2010/main" val="2415741789"/>
+      </p:ext>
+    </p:extLst>
+  </p:cSld>
+  <p:clrMapOvr>
+    <a:masterClrMapping/>
+  </p:clrMapOvr>
+</p:sld>
+</file>
+
+<file path=ppt/slides/slide13.xml><?xml version="1.0" encoding="utf-8"?>
+<p:sld xmlns:a="http://schemas.openxmlformats.org/drawingml/2006/main" xmlns:r="http://schemas.openxmlformats.org/officeDocument/2006/relationships" xmlns:p="http://schemas.openxmlformats.org/presentationml/2006/main">
+  <p:cSld>
+    <p:spTree>
+      <p:nvGrpSpPr>
+        <p:cNvPr id="1" name=""/>
+        <p:cNvGrpSpPr/>
+        <p:nvPr/>
+      </p:nvGrpSpPr>
+      <p:grpSpPr>
+        <a:xfrm>
+          <a:off x="0" y="0"/>
+          <a:ext cx="0" cy="0"/>
+          <a:chOff x="0" y="0"/>
+          <a:chExt cx="0" cy="0"/>
+        </a:xfrm>
+      </p:grpSpPr>
+      <p:pic>
+        <p:nvPicPr>
+          <p:cNvPr id="4" name="Picture 2" descr="Aprender a programar te ensina a não ser programado | BossaBox">
+            <a:extLst>
+              <a:ext uri="{FF2B5EF4-FFF2-40B4-BE49-F238E27FC236}">
+                <a16:creationId xmlns:a16="http://schemas.microsoft.com/office/drawing/2014/main" id="{F7D7CF8B-FAAC-4029-99B5-ACFF7FC8DC83}"/>
+              </a:ext>
+            </a:extLst>
+          </p:cNvPr>
+          <p:cNvPicPr>
+            <a:picLocks noChangeAspect="1" noChangeArrowheads="1"/>
+          </p:cNvPicPr>
+          <p:nvPr/>
+        </p:nvPicPr>
+        <p:blipFill rotWithShape="1">
+          <a:blip r:embed="rId2">
+            <a:alphaModFix amt="50000"/>
+            <a:extLst>
+              <a:ext uri="{28A0092B-C50C-407E-A947-70E740481C1C}">
+                <a14:useLocalDpi xmlns:a14="http://schemas.microsoft.com/office/drawing/2010/main" val="0"/>
+              </a:ext>
+            </a:extLst>
+          </a:blip>
+          <a:srcRect l="1" r="232" b="74974"/>
+          <a:stretch/>
+        </p:blipFill>
+        <p:spPr bwMode="auto">
+          <a:xfrm>
+            <a:off x="0" y="0"/>
+            <a:ext cx="12192000" cy="1716258"/>
+          </a:xfrm>
+          <a:prstGeom prst="rect">
+            <a:avLst/>
+          </a:prstGeom>
+          <a:noFill/>
+          <a:extLst>
+            <a:ext uri="{909E8E84-426E-40DD-AFC4-6F175D3DCCD1}">
+              <a14:hiddenFill xmlns:a14="http://schemas.microsoft.com/office/drawing/2010/main">
+                <a:solidFill>
+                  <a:srgbClr val="FFFFFF"/>
+                </a:solidFill>
+              </a14:hiddenFill>
+            </a:ext>
+          </a:extLst>
+        </p:spPr>
+      </p:pic>
+      <p:sp>
+        <p:nvSpPr>
+          <p:cNvPr id="5" name="Título 1">
+            <a:extLst>
+              <a:ext uri="{FF2B5EF4-FFF2-40B4-BE49-F238E27FC236}">
+                <a16:creationId xmlns:a16="http://schemas.microsoft.com/office/drawing/2014/main" id="{F34209D3-DDAA-4508-9439-AEC8698F1BA5}"/>
+              </a:ext>
+            </a:extLst>
+          </p:cNvPr>
+          <p:cNvSpPr txBox="1">
+            <a:spLocks/>
+          </p:cNvSpPr>
+          <p:nvPr/>
+        </p:nvSpPr>
+        <p:spPr>
+          <a:xfrm>
+            <a:off x="196949" y="500062"/>
+            <a:ext cx="11774658" cy="1325563"/>
+          </a:xfrm>
+          <a:prstGeom prst="rect">
+            <a:avLst/>
+          </a:prstGeom>
+        </p:spPr>
+        <p:txBody>
+          <a:bodyPr vert="horz" lIns="91440" tIns="45720" rIns="91440" bIns="45720" rtlCol="0" anchor="ctr">
+            <a:normAutofit/>
+          </a:bodyPr>
+          <a:lstStyle>
+            <a:lvl1pPr algn="l" defTabSz="914400" rtl="0" eaLnBrk="1" latinLnBrk="0" hangingPunct="1">
+              <a:lnSpc>
+                <a:spcPct val="90000"/>
+              </a:lnSpc>
+              <a:spcBef>
+                <a:spcPct val="0"/>
+              </a:spcBef>
+              <a:buNone/>
+              <a:defRPr sz="4400" kern="1200">
+                <a:solidFill>
+                  <a:schemeClr val="tx1"/>
+                </a:solidFill>
+                <a:latin typeface="+mj-lt"/>
+                <a:ea typeface="+mj-ea"/>
+                <a:cs typeface="+mj-cs"/>
+              </a:defRPr>
+            </a:lvl1pPr>
+          </a:lstStyle>
+          <a:p>
+            <a:r>
+              <a:rPr lang="pt-BR" sz="5400" b="1" dirty="0">
+                <a:solidFill>
+                  <a:srgbClr val="FFC000"/>
+                </a:solidFill>
+                <a:latin typeface="Itau Display" panose="020B0503020204020204" pitchFamily="34" charset="0"/>
+                <a:cs typeface="Itau Display" panose="020B0503020204020204" pitchFamily="34" charset="0"/>
+              </a:rPr>
+              <a:t>&lt;</a:t>
+            </a:r>
+            <a:r>
+              <a:rPr lang="pt-BR" sz="5400" b="1" dirty="0">
+                <a:solidFill>
+                  <a:schemeClr val="bg1"/>
+                </a:solidFill>
+                <a:latin typeface="Itau Display" panose="020B0503020204020204" pitchFamily="34" charset="0"/>
+                <a:cs typeface="Itau Display" panose="020B0503020204020204" pitchFamily="34" charset="0"/>
+              </a:rPr>
+              <a:t>Tela de Detalhes da Solicitação</a:t>
+            </a:r>
+            <a:r>
+              <a:rPr lang="pt-BR" sz="5400" b="1" dirty="0">
+                <a:solidFill>
+                  <a:srgbClr val="FFC000"/>
+                </a:solidFill>
+                <a:latin typeface="Itau Display" panose="020B0503020204020204" pitchFamily="34" charset="0"/>
+                <a:cs typeface="Itau Display" panose="020B0503020204020204" pitchFamily="34" charset="0"/>
+              </a:rPr>
+              <a:t>&gt;</a:t>
+            </a:r>
+          </a:p>
+        </p:txBody>
+      </p:sp>
+      <p:pic>
+        <p:nvPicPr>
+          <p:cNvPr id="4098" name="Picture 2">
+            <a:extLst>
+              <a:ext uri="{FF2B5EF4-FFF2-40B4-BE49-F238E27FC236}">
+                <a16:creationId xmlns:a16="http://schemas.microsoft.com/office/drawing/2014/main" id="{67B892AA-EC06-40A2-A094-BCE4BF5287CE}"/>
+              </a:ext>
+            </a:extLst>
+          </p:cNvPr>
+          <p:cNvPicPr>
+            <a:picLocks noChangeAspect="1" noChangeArrowheads="1"/>
+          </p:cNvPicPr>
+          <p:nvPr/>
+        </p:nvPicPr>
+        <p:blipFill rotWithShape="1">
+          <a:blip r:embed="rId3">
+            <a:extLst>
+              <a:ext uri="{28A0092B-C50C-407E-A947-70E740481C1C}">
+                <a14:useLocalDpi xmlns:a14="http://schemas.microsoft.com/office/drawing/2010/main" val="0"/>
+              </a:ext>
+            </a:extLst>
+          </a:blip>
+          <a:srcRect b="3213"/>
+          <a:stretch/>
+        </p:blipFill>
+        <p:spPr bwMode="auto">
+          <a:xfrm>
+            <a:off x="2172766" y="1825625"/>
+            <a:ext cx="7846468" cy="5035002"/>
+          </a:xfrm>
+          <a:prstGeom prst="rect">
+            <a:avLst/>
+          </a:prstGeom>
+          <a:noFill/>
+          <a:extLst>
+            <a:ext uri="{909E8E84-426E-40DD-AFC4-6F175D3DCCD1}">
+              <a14:hiddenFill xmlns:a14="http://schemas.microsoft.com/office/drawing/2010/main">
+                <a:solidFill>
+                  <a:srgbClr val="FFFFFF"/>
+                </a:solidFill>
+              </a14:hiddenFill>
+            </a:ext>
+          </a:extLst>
+        </p:spPr>
+      </p:pic>
+    </p:spTree>
+    <p:extLst>
+      <p:ext uri="{BB962C8B-B14F-4D97-AF65-F5344CB8AC3E}">
+        <p14:creationId xmlns:p14="http://schemas.microsoft.com/office/powerpoint/2010/main" val="3500530957"/>
+      </p:ext>
+    </p:extLst>
+  </p:cSld>
+  <p:clrMapOvr>
+    <a:masterClrMapping/>
+  </p:clrMapOvr>
+</p:sld>
+</file>
+
+<file path=ppt/slides/slide14.xml><?xml version="1.0" encoding="utf-8"?>
+<p:sld xmlns:a="http://schemas.openxmlformats.org/drawingml/2006/main" xmlns:r="http://schemas.openxmlformats.org/officeDocument/2006/relationships" xmlns:p="http://schemas.openxmlformats.org/presentationml/2006/main">
+  <p:cSld>
+    <p:spTree>
+      <p:nvGrpSpPr>
+        <p:cNvPr id="1" name=""/>
+        <p:cNvGrpSpPr/>
+        <p:nvPr/>
+      </p:nvGrpSpPr>
+      <p:grpSpPr>
+        <a:xfrm>
+          <a:off x="0" y="0"/>
+          <a:ext cx="0" cy="0"/>
+          <a:chOff x="0" y="0"/>
+          <a:chExt cx="0" cy="0"/>
+        </a:xfrm>
+      </p:grpSpPr>
+      <p:sp>
+        <p:nvSpPr>
+          <p:cNvPr id="8" name="Elipse 7">
+            <a:extLst>
+              <a:ext uri="{FF2B5EF4-FFF2-40B4-BE49-F238E27FC236}">
+                <a16:creationId xmlns:a16="http://schemas.microsoft.com/office/drawing/2014/main" id="{87000AC0-9606-403F-A346-3BEB69C42010}"/>
+              </a:ext>
+            </a:extLst>
+          </p:cNvPr>
+          <p:cNvSpPr/>
+          <p:nvPr/>
+        </p:nvSpPr>
+        <p:spPr>
+          <a:xfrm>
+            <a:off x="8718597" y="4244608"/>
+            <a:ext cx="2368619" cy="2284071"/>
+          </a:xfrm>
+          <a:prstGeom prst="ellipse">
+            <a:avLst/>
+          </a:prstGeom>
+          <a:solidFill>
+            <a:schemeClr val="accent1">
+              <a:lumMod val="40000"/>
+              <a:lumOff val="60000"/>
+            </a:schemeClr>
+          </a:solidFill>
+          <a:ln>
+            <a:noFill/>
+          </a:ln>
+        </p:spPr>
+        <p:style>
+          <a:lnRef idx="2">
+            <a:schemeClr val="accent1">
+              <a:shade val="50000"/>
+            </a:schemeClr>
+          </a:lnRef>
+          <a:fillRef idx="1">
+            <a:schemeClr val="accent1"/>
+          </a:fillRef>
+          <a:effectRef idx="0">
+            <a:schemeClr val="accent1"/>
+          </a:effectRef>
+          <a:fontRef idx="minor">
+            <a:schemeClr val="lt1"/>
+          </a:fontRef>
+        </p:style>
+        <p:txBody>
+          <a:bodyPr rtlCol="0" anchor="ctr"/>
+          <a:lstStyle/>
+          <a:p>
+            <a:pPr algn="ctr"/>
+            <a:endParaRPr lang="pt-BR" dirty="0">
+              <a:solidFill>
+                <a:schemeClr val="accent2">
+                  <a:lumMod val="20000"/>
+                  <a:lumOff val="80000"/>
+                </a:schemeClr>
+              </a:solidFill>
+            </a:endParaRPr>
+          </a:p>
+        </p:txBody>
+      </p:sp>
+      <p:sp>
+        <p:nvSpPr>
+          <p:cNvPr id="6" name="Elipse 5">
+            <a:extLst>
+              <a:ext uri="{FF2B5EF4-FFF2-40B4-BE49-F238E27FC236}">
+                <a16:creationId xmlns:a16="http://schemas.microsoft.com/office/drawing/2014/main" id="{B4C8AF23-C316-4E71-9113-883A79C1F1BE}"/>
+              </a:ext>
+            </a:extLst>
+          </p:cNvPr>
+          <p:cNvSpPr/>
+          <p:nvPr/>
+        </p:nvSpPr>
+        <p:spPr>
+          <a:xfrm>
+            <a:off x="2412617" y="123371"/>
+            <a:ext cx="7366766" cy="6611257"/>
+          </a:xfrm>
+          <a:prstGeom prst="ellipse">
+            <a:avLst/>
+          </a:prstGeom>
+          <a:solidFill>
+            <a:schemeClr val="accent1">
+              <a:lumMod val="75000"/>
+            </a:schemeClr>
+          </a:solidFill>
+          <a:ln>
+            <a:noFill/>
+          </a:ln>
+        </p:spPr>
+        <p:style>
+          <a:lnRef idx="2">
+            <a:schemeClr val="accent1">
+              <a:shade val="50000"/>
+            </a:schemeClr>
+          </a:lnRef>
+          <a:fillRef idx="1">
+            <a:schemeClr val="accent1"/>
+          </a:fillRef>
+          <a:effectRef idx="0">
+            <a:schemeClr val="accent1"/>
+          </a:effectRef>
+          <a:fontRef idx="minor">
+            <a:schemeClr val="lt1"/>
+          </a:fontRef>
+        </p:style>
+        <p:txBody>
+          <a:bodyPr rtlCol="0" anchor="ctr"/>
+          <a:lstStyle/>
+          <a:p>
+            <a:pPr algn="ctr"/>
+            <a:endParaRPr lang="pt-BR" dirty="0"/>
+          </a:p>
+        </p:txBody>
+      </p:sp>
+      <p:sp>
+        <p:nvSpPr>
+          <p:cNvPr id="7" name="Elipse 6">
+            <a:extLst>
+              <a:ext uri="{FF2B5EF4-FFF2-40B4-BE49-F238E27FC236}">
+                <a16:creationId xmlns:a16="http://schemas.microsoft.com/office/drawing/2014/main" id="{CFE3D321-C3C9-4925-AD85-CEA080BC22CB}"/>
+              </a:ext>
+            </a:extLst>
+          </p:cNvPr>
+          <p:cNvSpPr/>
+          <p:nvPr/>
+        </p:nvSpPr>
+        <p:spPr>
+          <a:xfrm>
+            <a:off x="471275" y="0"/>
+            <a:ext cx="3882683" cy="3559126"/>
+          </a:xfrm>
+          <a:prstGeom prst="ellipse">
+            <a:avLst/>
+          </a:prstGeom>
+          <a:solidFill>
+            <a:schemeClr val="accent1">
+              <a:lumMod val="50000"/>
+            </a:schemeClr>
+          </a:solidFill>
+        </p:spPr>
+        <p:style>
+          <a:lnRef idx="2">
+            <a:schemeClr val="accent1">
+              <a:shade val="50000"/>
+            </a:schemeClr>
+          </a:lnRef>
+          <a:fillRef idx="1">
+            <a:schemeClr val="accent1"/>
+          </a:fillRef>
+          <a:effectRef idx="0">
+            <a:schemeClr val="accent1"/>
+          </a:effectRef>
+          <a:fontRef idx="minor">
+            <a:schemeClr val="lt1"/>
+          </a:fontRef>
+        </p:style>
+        <p:txBody>
+          <a:bodyPr rtlCol="0" anchor="ctr"/>
+          <a:lstStyle/>
+          <a:p>
+            <a:pPr algn="ctr"/>
+            <a:endParaRPr lang="pt-BR" dirty="0"/>
+          </a:p>
+        </p:txBody>
+      </p:sp>
+      <p:pic>
+        <p:nvPicPr>
+          <p:cNvPr id="4" name="Picture 2" descr="Aprender a programar te ensina a não ser programado | BossaBox">
+            <a:extLst>
+              <a:ext uri="{FF2B5EF4-FFF2-40B4-BE49-F238E27FC236}">
+                <a16:creationId xmlns:a16="http://schemas.microsoft.com/office/drawing/2014/main" id="{E3B03875-6FD6-4B2F-86E9-C074D99ABEDB}"/>
+              </a:ext>
+            </a:extLst>
+          </p:cNvPr>
+          <p:cNvPicPr>
+            <a:picLocks noChangeAspect="1" noChangeArrowheads="1"/>
+          </p:cNvPicPr>
+          <p:nvPr/>
+        </p:nvPicPr>
+        <p:blipFill>
+          <a:blip r:embed="rId2">
+            <a:alphaModFix amt="50000"/>
+            <a:extLst>
+              <a:ext uri="{28A0092B-C50C-407E-A947-70E740481C1C}">
+                <a14:useLocalDpi xmlns:a14="http://schemas.microsoft.com/office/drawing/2010/main" val="0"/>
+              </a:ext>
+            </a:extLst>
+          </a:blip>
+          <a:srcRect/>
+          <a:stretch>
+            <a:fillRect/>
+          </a:stretch>
+        </p:blipFill>
+        <p:spPr bwMode="auto">
+          <a:xfrm>
+            <a:off x="-28416" y="0"/>
+            <a:ext cx="12220415" cy="6858000"/>
+          </a:xfrm>
+          <a:prstGeom prst="rect">
+            <a:avLst/>
+          </a:prstGeom>
+          <a:noFill/>
+          <a:extLst>
+            <a:ext uri="{909E8E84-426E-40DD-AFC4-6F175D3DCCD1}">
+              <a14:hiddenFill xmlns:a14="http://schemas.microsoft.com/office/drawing/2010/main">
+                <a:solidFill>
+                  <a:srgbClr val="FFFFFF"/>
+                </a:solidFill>
+              </a14:hiddenFill>
+            </a:ext>
+          </a:extLst>
+        </p:spPr>
+      </p:pic>
+      <p:sp>
+        <p:nvSpPr>
+          <p:cNvPr id="5" name="CaixaDeTexto 4">
+            <a:extLst>
+              <a:ext uri="{FF2B5EF4-FFF2-40B4-BE49-F238E27FC236}">
+                <a16:creationId xmlns:a16="http://schemas.microsoft.com/office/drawing/2014/main" id="{BA6E1435-F0D2-44C7-A9EB-5C7CD5EE1A64}"/>
+              </a:ext>
+            </a:extLst>
+          </p:cNvPr>
+          <p:cNvSpPr txBox="1"/>
+          <p:nvPr/>
+        </p:nvSpPr>
+        <p:spPr>
+          <a:xfrm>
+            <a:off x="2997453" y="2674948"/>
+            <a:ext cx="6168676" cy="1569660"/>
+          </a:xfrm>
+          <a:prstGeom prst="rect">
+            <a:avLst/>
+          </a:prstGeom>
+          <a:noFill/>
+        </p:spPr>
+        <p:txBody>
+          <a:bodyPr wrap="none" rtlCol="0">
+            <a:spAutoFit/>
+          </a:bodyPr>
+          <a:lstStyle/>
+          <a:p>
+            <a:r>
+              <a:rPr lang="pt-BR" sz="9600" b="1" dirty="0">
+                <a:solidFill>
+                  <a:srgbClr val="FFC000"/>
+                </a:solidFill>
+                <a:latin typeface="Itau Display" panose="020B0503020204020204" pitchFamily="34" charset="0"/>
+                <a:cs typeface="Itau Display" panose="020B0503020204020204" pitchFamily="34" charset="0"/>
+              </a:rPr>
+              <a:t>/* </a:t>
+            </a:r>
+            <a:r>
+              <a:rPr lang="pt-BR" sz="9600" b="1" dirty="0">
+                <a:solidFill>
+                  <a:schemeClr val="bg1"/>
+                </a:solidFill>
+                <a:latin typeface="Itau Display" panose="020B0503020204020204" pitchFamily="34" charset="0"/>
+                <a:cs typeface="Itau Display" panose="020B0503020204020204" pitchFamily="34" charset="0"/>
+              </a:rPr>
+              <a:t>Duvidas</a:t>
+            </a:r>
+            <a:r>
+              <a:rPr lang="pt-BR" sz="9600" b="1" dirty="0">
+                <a:solidFill>
+                  <a:srgbClr val="FFC000"/>
+                </a:solidFill>
+                <a:latin typeface="Itau Display" panose="020B0503020204020204" pitchFamily="34" charset="0"/>
+                <a:cs typeface="Itau Display" panose="020B0503020204020204" pitchFamily="34" charset="0"/>
+              </a:rPr>
+              <a:t>?</a:t>
+            </a:r>
+          </a:p>
+        </p:txBody>
+      </p:sp>
+      <p:sp>
+        <p:nvSpPr>
+          <p:cNvPr id="9" name="CaixaDeTexto 8">
+            <a:extLst>
+              <a:ext uri="{FF2B5EF4-FFF2-40B4-BE49-F238E27FC236}">
+                <a16:creationId xmlns:a16="http://schemas.microsoft.com/office/drawing/2014/main" id="{66177118-E1BC-4E5E-99BA-5BB7ADE639C9}"/>
+              </a:ext>
+            </a:extLst>
+          </p:cNvPr>
+          <p:cNvSpPr txBox="1"/>
+          <p:nvPr/>
+        </p:nvSpPr>
+        <p:spPr>
+          <a:xfrm>
+            <a:off x="7495679" y="4321482"/>
+            <a:ext cx="3365024" cy="830997"/>
+          </a:xfrm>
+          <a:prstGeom prst="rect">
+            <a:avLst/>
+          </a:prstGeom>
+          <a:noFill/>
+        </p:spPr>
+        <p:txBody>
+          <a:bodyPr wrap="none" rtlCol="0">
+            <a:spAutoFit/>
+          </a:bodyPr>
+          <a:lstStyle/>
+          <a:p>
+            <a:r>
+              <a:rPr lang="pt-BR" sz="4800" b="1" dirty="0">
+                <a:solidFill>
+                  <a:srgbClr val="FFC000"/>
+                </a:solidFill>
+                <a:latin typeface="Itau Display" panose="020B0503020204020204" pitchFamily="34" charset="0"/>
+                <a:cs typeface="Itau Display" panose="020B0503020204020204" pitchFamily="34" charset="0"/>
+              </a:rPr>
+              <a:t> Obrigado */</a:t>
+            </a:r>
+            <a:endParaRPr lang="pt-BR" sz="4800" dirty="0">
+              <a:solidFill>
+                <a:srgbClr val="FFC000"/>
+              </a:solidFill>
+              <a:latin typeface="Itau Display" panose="020B0503020204020204" pitchFamily="34" charset="0"/>
+              <a:cs typeface="Itau Display" panose="020B0503020204020204" pitchFamily="34" charset="0"/>
+            </a:endParaRPr>
+          </a:p>
+        </p:txBody>
+      </p:sp>
+    </p:spTree>
+    <p:extLst>
+      <p:ext uri="{BB962C8B-B14F-4D97-AF65-F5344CB8AC3E}">
+        <p14:creationId xmlns:p14="http://schemas.microsoft.com/office/powerpoint/2010/main" val="2814611011"/>
+      </p:ext>
+    </p:extLst>
+  </p:cSld>
+  <p:clrMapOvr>
+    <a:masterClrMapping/>
+  </p:clrMapOvr>
+</p:sld>
+</file>
+
 <file path=ppt/slides/slide2.xml><?xml version="1.0" encoding="utf-8"?>
 <p:sld xmlns:a="http://schemas.openxmlformats.org/drawingml/2006/main" xmlns:r="http://schemas.openxmlformats.org/officeDocument/2006/relationships" xmlns:p="http://schemas.openxmlformats.org/presentationml/2006/main">
   <p:cSld>
@@ -5672,7 +6846,7 @@
         <p:spPr>
           <a:xfrm>
             <a:off x="-196949" y="5561055"/>
-            <a:ext cx="12192000" cy="523220"/>
+            <a:ext cx="12192000" cy="954107"/>
           </a:xfrm>
           <a:prstGeom prst="rect">
             <a:avLst/>
@@ -5739,7 +6913,29 @@
                 <a:latin typeface="Itau Display" panose="020B0503020204020204" pitchFamily="34" charset="0"/>
                 <a:cs typeface="Itau Display" panose="020B0503020204020204" pitchFamily="34" charset="0"/>
               </a:rPr>
-              <a:t>  Tela Nova Solicitação / Detalhes de Solicitações</a:t>
+              <a:t>  Tela de Departamentos </a:t>
+            </a:r>
+            <a:r>
+              <a:rPr lang="pt-BR" sz="2800" b="1" dirty="0">
+                <a:solidFill>
+                  <a:srgbClr val="FFCC00"/>
+                </a:solidFill>
+                <a:latin typeface="Itau Display" panose="020B0503020204020204" pitchFamily="34" charset="0"/>
+                <a:cs typeface="Itau Display" panose="020B0503020204020204" pitchFamily="34" charset="0"/>
+              </a:rPr>
+              <a:t>&gt;</a:t>
+            </a:r>
+            <a:r>
+              <a:rPr lang="pt-BR" sz="2800" b="1" dirty="0">
+                <a:solidFill>
+                  <a:schemeClr val="accent1">
+                    <a:lumMod val="75000"/>
+                  </a:schemeClr>
+                </a:solidFill>
+                <a:latin typeface="Itau Display" panose="020B0503020204020204" pitchFamily="34" charset="0"/>
+                <a:cs typeface="Itau Display" panose="020B0503020204020204" pitchFamily="34" charset="0"/>
+              </a:rPr>
+              <a:t> Tela Nova Solicitação / Detalhes de Solicitações</a:t>
             </a:r>
             <a:endParaRPr lang="pt-BR" sz="2800" dirty="0">
               <a:solidFill>
@@ -5948,7 +7144,7 @@
                   </a:schemeClr>
                 </a:solidFill>
               </a:rPr>
-              <a:t>Todos os módulos funcionarão usando um modelo de FrontEnd desacoplado do BackEnd, ou seja, todo Front End deverá solicitar serviços a um BackEnd disponível na nuvem para recuperação e armazenamento das informações.</a:t>
+              <a:t>Todos os módulos funcionarão usando um modelo de FrontEnd desacoplado do BackEnd, ou seja, todo FrontEnd deverá solicitar serviços a um BackEnd disponível na nuvem para recuperação e armazenamento das informações.</a:t>
             </a:r>
             <a:endParaRPr lang="pt-BR" sz="2400" dirty="0">
               <a:solidFill>
@@ -6932,179 +8128,138 @@
           <a:chExt cx="0" cy="0"/>
         </a:xfrm>
       </p:grpSpPr>
-      <p:sp>
-        <p:nvSpPr>
-          <p:cNvPr id="8" name="Elipse 7">
-            <a:extLst>
-              <a:ext uri="{FF2B5EF4-FFF2-40B4-BE49-F238E27FC236}">
-                <a16:creationId xmlns:a16="http://schemas.microsoft.com/office/drawing/2014/main" id="{87000AC0-9606-403F-A346-3BEB69C42010}"/>
-              </a:ext>
-            </a:extLst>
-          </p:cNvPr>
-          <p:cNvSpPr/>
-          <p:nvPr/>
-        </p:nvSpPr>
-        <p:spPr>
-          <a:xfrm>
-            <a:off x="8718597" y="4244608"/>
-            <a:ext cx="2368619" cy="2284071"/>
-          </a:xfrm>
-          <a:prstGeom prst="ellipse">
-            <a:avLst/>
-          </a:prstGeom>
-          <a:solidFill>
-            <a:schemeClr val="accent1">
-              <a:lumMod val="40000"/>
-              <a:lumOff val="60000"/>
-            </a:schemeClr>
-          </a:solidFill>
-          <a:ln>
-            <a:noFill/>
-          </a:ln>
-        </p:spPr>
-        <p:style>
-          <a:lnRef idx="2">
-            <a:schemeClr val="accent1">
-              <a:shade val="50000"/>
-            </a:schemeClr>
-          </a:lnRef>
-          <a:fillRef idx="1">
-            <a:schemeClr val="accent1"/>
-          </a:fillRef>
-          <a:effectRef idx="0">
-            <a:schemeClr val="accent1"/>
-          </a:effectRef>
-          <a:fontRef idx="minor">
-            <a:schemeClr val="lt1"/>
-          </a:fontRef>
-        </p:style>
-        <p:txBody>
-          <a:bodyPr rtlCol="0" anchor="ctr"/>
-          <a:lstStyle/>
-          <a:p>
-            <a:pPr algn="ctr"/>
-            <a:endParaRPr lang="pt-BR" dirty="0">
-              <a:solidFill>
-                <a:schemeClr val="accent2">
-                  <a:lumMod val="20000"/>
-                  <a:lumOff val="80000"/>
-                </a:schemeClr>
-              </a:solidFill>
-            </a:endParaRPr>
-          </a:p>
-        </p:txBody>
-      </p:sp>
-      <p:sp>
-        <p:nvSpPr>
-          <p:cNvPr id="6" name="Elipse 5">
-            <a:extLst>
-              <a:ext uri="{FF2B5EF4-FFF2-40B4-BE49-F238E27FC236}">
-                <a16:creationId xmlns:a16="http://schemas.microsoft.com/office/drawing/2014/main" id="{B4C8AF23-C316-4E71-9113-883A79C1F1BE}"/>
-              </a:ext>
-            </a:extLst>
-          </p:cNvPr>
-          <p:cNvSpPr/>
-          <p:nvPr/>
-        </p:nvSpPr>
-        <p:spPr>
-          <a:xfrm>
-            <a:off x="2412617" y="123371"/>
-            <a:ext cx="7366766" cy="6611257"/>
-          </a:xfrm>
-          <a:prstGeom prst="ellipse">
-            <a:avLst/>
-          </a:prstGeom>
-          <a:solidFill>
-            <a:schemeClr val="accent1">
-              <a:lumMod val="75000"/>
-            </a:schemeClr>
-          </a:solidFill>
-          <a:ln>
-            <a:noFill/>
-          </a:ln>
-        </p:spPr>
-        <p:style>
-          <a:lnRef idx="2">
-            <a:schemeClr val="accent1">
-              <a:shade val="50000"/>
-            </a:schemeClr>
-          </a:lnRef>
-          <a:fillRef idx="1">
-            <a:schemeClr val="accent1"/>
-          </a:fillRef>
-          <a:effectRef idx="0">
-            <a:schemeClr val="accent1"/>
-          </a:effectRef>
-          <a:fontRef idx="minor">
-            <a:schemeClr val="lt1"/>
-          </a:fontRef>
-        </p:style>
-        <p:txBody>
-          <a:bodyPr rtlCol="0" anchor="ctr"/>
-          <a:lstStyle/>
-          <a:p>
-            <a:pPr algn="ctr"/>
-            <a:endParaRPr lang="pt-BR" dirty="0"/>
-          </a:p>
-        </p:txBody>
-      </p:sp>
-      <p:sp>
-        <p:nvSpPr>
-          <p:cNvPr id="7" name="Elipse 6">
-            <a:extLst>
-              <a:ext uri="{FF2B5EF4-FFF2-40B4-BE49-F238E27FC236}">
-                <a16:creationId xmlns:a16="http://schemas.microsoft.com/office/drawing/2014/main" id="{CFE3D321-C3C9-4925-AD85-CEA080BC22CB}"/>
-              </a:ext>
-            </a:extLst>
-          </p:cNvPr>
-          <p:cNvSpPr/>
-          <p:nvPr/>
-        </p:nvSpPr>
-        <p:spPr>
-          <a:xfrm>
-            <a:off x="471275" y="0"/>
-            <a:ext cx="3882683" cy="3559126"/>
-          </a:xfrm>
-          <a:prstGeom prst="ellipse">
-            <a:avLst/>
-          </a:prstGeom>
-          <a:solidFill>
-            <a:schemeClr val="accent1">
-              <a:lumMod val="50000"/>
-            </a:schemeClr>
-          </a:solidFill>
-        </p:spPr>
-        <p:style>
-          <a:lnRef idx="2">
-            <a:schemeClr val="accent1">
-              <a:shade val="50000"/>
-            </a:schemeClr>
-          </a:lnRef>
-          <a:fillRef idx="1">
-            <a:schemeClr val="accent1"/>
-          </a:fillRef>
-          <a:effectRef idx="0">
-            <a:schemeClr val="accent1"/>
-          </a:effectRef>
-          <a:fontRef idx="minor">
-            <a:schemeClr val="lt1"/>
-          </a:fontRef>
-        </p:style>
-        <p:txBody>
-          <a:bodyPr rtlCol="0" anchor="ctr"/>
-          <a:lstStyle/>
-          <a:p>
-            <a:pPr algn="ctr"/>
-            <a:endParaRPr lang="pt-BR" dirty="0"/>
-          </a:p>
-        </p:txBody>
-      </p:sp>
       <p:pic>
         <p:nvPicPr>
           <p:cNvPr id="4" name="Picture 2" descr="Aprender a programar te ensina a não ser programado | BossaBox">
             <a:extLst>
               <a:ext uri="{FF2B5EF4-FFF2-40B4-BE49-F238E27FC236}">
-                <a16:creationId xmlns:a16="http://schemas.microsoft.com/office/drawing/2014/main" id="{E3B03875-6FD6-4B2F-86E9-C074D99ABEDB}"/>
+                <a16:creationId xmlns:a16="http://schemas.microsoft.com/office/drawing/2014/main" id="{F7D7CF8B-FAAC-4029-99B5-ACFF7FC8DC83}"/>
+              </a:ext>
+            </a:extLst>
+          </p:cNvPr>
+          <p:cNvPicPr>
+            <a:picLocks noChangeAspect="1" noChangeArrowheads="1"/>
+          </p:cNvPicPr>
+          <p:nvPr/>
+        </p:nvPicPr>
+        <p:blipFill rotWithShape="1">
+          <a:blip r:embed="rId2">
+            <a:alphaModFix amt="50000"/>
+            <a:extLst>
+              <a:ext uri="{28A0092B-C50C-407E-A947-70E740481C1C}">
+                <a14:useLocalDpi xmlns:a14="http://schemas.microsoft.com/office/drawing/2010/main" val="0"/>
+              </a:ext>
+            </a:extLst>
+          </a:blip>
+          <a:srcRect l="1" r="232" b="74974"/>
+          <a:stretch/>
+        </p:blipFill>
+        <p:spPr bwMode="auto">
+          <a:xfrm>
+            <a:off x="0" y="0"/>
+            <a:ext cx="12192000" cy="1716258"/>
+          </a:xfrm>
+          <a:prstGeom prst="rect">
+            <a:avLst/>
+          </a:prstGeom>
+          <a:noFill/>
+          <a:extLst>
+            <a:ext uri="{909E8E84-426E-40DD-AFC4-6F175D3DCCD1}">
+              <a14:hiddenFill xmlns:a14="http://schemas.microsoft.com/office/drawing/2010/main">
+                <a:solidFill>
+                  <a:srgbClr val="FFFFFF"/>
+                </a:solidFill>
+              </a14:hiddenFill>
+            </a:ext>
+          </a:extLst>
+        </p:spPr>
+      </p:pic>
+      <p:sp>
+        <p:nvSpPr>
+          <p:cNvPr id="5" name="Título 1">
+            <a:extLst>
+              <a:ext uri="{FF2B5EF4-FFF2-40B4-BE49-F238E27FC236}">
+                <a16:creationId xmlns:a16="http://schemas.microsoft.com/office/drawing/2014/main" id="{F34209D3-DDAA-4508-9439-AEC8698F1BA5}"/>
+              </a:ext>
+            </a:extLst>
+          </p:cNvPr>
+          <p:cNvSpPr txBox="1">
+            <a:spLocks/>
+          </p:cNvSpPr>
+          <p:nvPr/>
+        </p:nvSpPr>
+        <p:spPr>
+          <a:xfrm>
+            <a:off x="196949" y="500062"/>
+            <a:ext cx="11774658" cy="1325563"/>
+          </a:xfrm>
+          <a:prstGeom prst="rect">
+            <a:avLst/>
+          </a:prstGeom>
+        </p:spPr>
+        <p:txBody>
+          <a:bodyPr vert="horz" lIns="91440" tIns="45720" rIns="91440" bIns="45720" rtlCol="0" anchor="ctr">
+            <a:normAutofit/>
+          </a:bodyPr>
+          <a:lstStyle>
+            <a:lvl1pPr algn="l" defTabSz="914400" rtl="0" eaLnBrk="1" latinLnBrk="0" hangingPunct="1">
+              <a:lnSpc>
+                <a:spcPct val="90000"/>
+              </a:lnSpc>
+              <a:spcBef>
+                <a:spcPct val="0"/>
+              </a:spcBef>
+              <a:buNone/>
+              <a:defRPr sz="4400" kern="1200">
+                <a:solidFill>
+                  <a:schemeClr val="tx1"/>
+                </a:solidFill>
+                <a:latin typeface="+mj-lt"/>
+                <a:ea typeface="+mj-ea"/>
+                <a:cs typeface="+mj-cs"/>
+              </a:defRPr>
+            </a:lvl1pPr>
+          </a:lstStyle>
+          <a:p>
+            <a:r>
+              <a:rPr lang="pt-BR" sz="5400" b="1" dirty="0">
+                <a:solidFill>
+                  <a:srgbClr val="FFC000"/>
+                </a:solidFill>
+                <a:latin typeface="Itau Display" panose="020B0503020204020204" pitchFamily="34" charset="0"/>
+                <a:cs typeface="Itau Display" panose="020B0503020204020204" pitchFamily="34" charset="0"/>
+              </a:rPr>
+              <a:t>&lt;</a:t>
+            </a:r>
+            <a:r>
+              <a:rPr lang="pt-BR" sz="5400" b="1" dirty="0">
+                <a:solidFill>
+                  <a:schemeClr val="bg1"/>
+                </a:solidFill>
+                <a:latin typeface="Itau Display" panose="020B0503020204020204" pitchFamily="34" charset="0"/>
+                <a:cs typeface="Itau Display" panose="020B0503020204020204" pitchFamily="34" charset="0"/>
+              </a:rPr>
+              <a:t>Tela de Login</a:t>
+            </a:r>
+            <a:r>
+              <a:rPr lang="pt-BR" sz="5400" b="1" dirty="0">
+                <a:solidFill>
+                  <a:srgbClr val="FFC000"/>
+                </a:solidFill>
+                <a:latin typeface="Itau Display" panose="020B0503020204020204" pitchFamily="34" charset="0"/>
+                <a:cs typeface="Itau Display" panose="020B0503020204020204" pitchFamily="34" charset="0"/>
+              </a:rPr>
+              <a:t>&gt;</a:t>
+            </a:r>
+          </a:p>
+        </p:txBody>
+      </p:sp>
+      <p:pic>
+        <p:nvPicPr>
+          <p:cNvPr id="1026" name="Picture 2">
+            <a:extLst>
+              <a:ext uri="{FF2B5EF4-FFF2-40B4-BE49-F238E27FC236}">
+                <a16:creationId xmlns:a16="http://schemas.microsoft.com/office/drawing/2014/main" id="{B3B4B0B8-8A85-4A46-8D57-9F3AA0A92AE7}"/>
               </a:ext>
             </a:extLst>
           </p:cNvPr>
@@ -7114,8 +8269,7 @@
           <p:nvPr/>
         </p:nvPicPr>
         <p:blipFill>
-          <a:blip r:embed="rId2">
-            <a:alphaModFix amt="50000"/>
+          <a:blip r:embed="rId3">
             <a:extLst>
               <a:ext uri="{28A0092B-C50C-407E-A947-70E740481C1C}">
                 <a14:useLocalDpi xmlns:a14="http://schemas.microsoft.com/office/drawing/2010/main" val="0"/>
@@ -7129,8 +8283,8 @@
         </p:blipFill>
         <p:spPr bwMode="auto">
           <a:xfrm>
-            <a:off x="-28416" y="0"/>
-            <a:ext cx="12220415" cy="6858000"/>
+            <a:off x="1531400" y="2094616"/>
+            <a:ext cx="9708686" cy="4263322"/>
           </a:xfrm>
           <a:prstGeom prst="rect">
             <a:avLst/>
@@ -7147,119 +8301,10 @@
           </a:extLst>
         </p:spPr>
       </p:pic>
-      <p:sp>
-        <p:nvSpPr>
-          <p:cNvPr id="5" name="CaixaDeTexto 4">
-            <a:extLst>
-              <a:ext uri="{FF2B5EF4-FFF2-40B4-BE49-F238E27FC236}">
-                <a16:creationId xmlns:a16="http://schemas.microsoft.com/office/drawing/2014/main" id="{BA6E1435-F0D2-44C7-A9EB-5C7CD5EE1A64}"/>
-              </a:ext>
-            </a:extLst>
-          </p:cNvPr>
-          <p:cNvSpPr txBox="1"/>
-          <p:nvPr/>
-        </p:nvSpPr>
-        <p:spPr>
-          <a:xfrm>
-            <a:off x="2997453" y="2674948"/>
-            <a:ext cx="6168676" cy="1569660"/>
-          </a:xfrm>
-          <a:prstGeom prst="rect">
-            <a:avLst/>
-          </a:prstGeom>
-          <a:noFill/>
-        </p:spPr>
-        <p:txBody>
-          <a:bodyPr wrap="none" rtlCol="0">
-            <a:spAutoFit/>
-          </a:bodyPr>
-          <a:lstStyle/>
-          <a:p>
-            <a:r>
-              <a:rPr lang="pt-BR" sz="9600" b="1" dirty="0">
-                <a:solidFill>
-                  <a:srgbClr val="FFC000"/>
-                </a:solidFill>
-                <a:latin typeface="Itau Display" panose="020B0503020204020204" pitchFamily="34" charset="0"/>
-                <a:cs typeface="Itau Display" panose="020B0503020204020204" pitchFamily="34" charset="0"/>
-              </a:rPr>
-              <a:t>/* </a:t>
-            </a:r>
-            <a:r>
-              <a:rPr lang="pt-BR" sz="9600" b="1" dirty="0">
-                <a:solidFill>
-                  <a:schemeClr val="bg1"/>
-                </a:solidFill>
-                <a:latin typeface="Itau Display" panose="020B0503020204020204" pitchFamily="34" charset="0"/>
-                <a:cs typeface="Itau Display" panose="020B0503020204020204" pitchFamily="34" charset="0"/>
-              </a:rPr>
-              <a:t>Duvidas</a:t>
-            </a:r>
-            <a:r>
-              <a:rPr lang="pt-BR" sz="9600" b="1" dirty="0">
-                <a:solidFill>
-                  <a:srgbClr val="FFC000"/>
-                </a:solidFill>
-                <a:latin typeface="Itau Display" panose="020B0503020204020204" pitchFamily="34" charset="0"/>
-                <a:cs typeface="Itau Display" panose="020B0503020204020204" pitchFamily="34" charset="0"/>
-              </a:rPr>
-              <a:t>?</a:t>
-            </a:r>
-          </a:p>
-        </p:txBody>
-      </p:sp>
-      <p:sp>
-        <p:nvSpPr>
-          <p:cNvPr id="9" name="CaixaDeTexto 8">
-            <a:extLst>
-              <a:ext uri="{FF2B5EF4-FFF2-40B4-BE49-F238E27FC236}">
-                <a16:creationId xmlns:a16="http://schemas.microsoft.com/office/drawing/2014/main" id="{66177118-E1BC-4E5E-99BA-5BB7ADE639C9}"/>
-              </a:ext>
-            </a:extLst>
-          </p:cNvPr>
-          <p:cNvSpPr txBox="1"/>
-          <p:nvPr/>
-        </p:nvSpPr>
-        <p:spPr>
-          <a:xfrm>
-            <a:off x="7495679" y="4321482"/>
-            <a:ext cx="3365024" cy="830997"/>
-          </a:xfrm>
-          <a:prstGeom prst="rect">
-            <a:avLst/>
-          </a:prstGeom>
-          <a:noFill/>
-        </p:spPr>
-        <p:txBody>
-          <a:bodyPr wrap="none" rtlCol="0">
-            <a:spAutoFit/>
-          </a:bodyPr>
-          <a:lstStyle/>
-          <a:p>
-            <a:r>
-              <a:rPr lang="pt-BR" sz="4800" b="1" dirty="0">
-                <a:solidFill>
-                  <a:srgbClr val="FFC000"/>
-                </a:solidFill>
-                <a:latin typeface="Itau Display" panose="020B0503020204020204" pitchFamily="34" charset="0"/>
-                <a:cs typeface="Itau Display" panose="020B0503020204020204" pitchFamily="34" charset="0"/>
-              </a:rPr>
-              <a:t> Obrigado */</a:t>
-            </a:r>
-            <a:endParaRPr lang="pt-BR" sz="4800" dirty="0">
-              <a:solidFill>
-                <a:srgbClr val="FFC000"/>
-              </a:solidFill>
-              <a:latin typeface="Itau Display" panose="020B0503020204020204" pitchFamily="34" charset="0"/>
-              <a:cs typeface="Itau Display" panose="020B0503020204020204" pitchFamily="34" charset="0"/>
-            </a:endParaRPr>
-          </a:p>
-        </p:txBody>
-      </p:sp>
     </p:spTree>
     <p:extLst>
       <p:ext uri="{BB962C8B-B14F-4D97-AF65-F5344CB8AC3E}">
-        <p14:creationId xmlns:p14="http://schemas.microsoft.com/office/powerpoint/2010/main" val="2814611011"/>
+        <p14:creationId xmlns:p14="http://schemas.microsoft.com/office/powerpoint/2010/main" val="2727577719"/>
       </p:ext>
     </p:extLst>
   </p:cSld>
@@ -7562,4 +8607,163 @@
     </a:ext>
   </a:extLst>
 </a:theme>
+</file>
+
+<file path=customXml/item1.xml><?xml version="1.0" encoding="utf-8"?>
+<ct:contentTypeSchema xmlns:ct="http://schemas.microsoft.com/office/2006/metadata/contentType" xmlns:ma="http://schemas.microsoft.com/office/2006/metadata/properties/metaAttributes" ct:_="" ma:_="" ma:contentTypeName="Documento" ma:contentTypeID="0x010100157DA9F4A5DDCB4AA8D88FA5E313CEB5" ma:contentTypeVersion="2" ma:contentTypeDescription="Crie um novo documento." ma:contentTypeScope="" ma:versionID="8b0526dd411a5005eef43600d918b508">
+  <xsd:schema xmlns:xsd="http://www.w3.org/2001/XMLSchema" xmlns:xs="http://www.w3.org/2001/XMLSchema" xmlns:p="http://schemas.microsoft.com/office/2006/metadata/properties" xmlns:ns2="ed9445fb-b56a-4758-9e19-d9f20280bd76" targetNamespace="http://schemas.microsoft.com/office/2006/metadata/properties" ma:root="true" ma:fieldsID="325cc40ad58e0225151ffd6a40912888" ns2:_="">
+    <xsd:import namespace="ed9445fb-b56a-4758-9e19-d9f20280bd76"/>
+    <xsd:element name="properties">
+      <xsd:complexType>
+        <xsd:sequence>
+          <xsd:element name="documentManagement">
+            <xsd:complexType>
+              <xsd:all>
+                <xsd:element ref="ns2:MediaServiceMetadata" minOccurs="0"/>
+                <xsd:element ref="ns2:MediaServiceFastMetadata" minOccurs="0"/>
+              </xsd:all>
+            </xsd:complexType>
+          </xsd:element>
+        </xsd:sequence>
+      </xsd:complexType>
+    </xsd:element>
+  </xsd:schema>
+  <xsd:schema xmlns:xsd="http://www.w3.org/2001/XMLSchema" xmlns:xs="http://www.w3.org/2001/XMLSchema" xmlns:dms="http://schemas.microsoft.com/office/2006/documentManagement/types" xmlns:pc="http://schemas.microsoft.com/office/infopath/2007/PartnerControls" targetNamespace="ed9445fb-b56a-4758-9e19-d9f20280bd76" elementFormDefault="qualified">
+    <xsd:import namespace="http://schemas.microsoft.com/office/2006/documentManagement/types"/>
+    <xsd:import namespace="http://schemas.microsoft.com/office/infopath/2007/PartnerControls"/>
+    <xsd:element name="MediaServiceMetadata" ma:index="8" nillable="true" ma:displayName="MediaServiceMetadata" ma:hidden="true" ma:internalName="MediaServiceMetadata" ma:readOnly="true">
+      <xsd:simpleType>
+        <xsd:restriction base="dms:Note"/>
+      </xsd:simpleType>
+    </xsd:element>
+    <xsd:element name="MediaServiceFastMetadata" ma:index="9" nillable="true" ma:displayName="MediaServiceFastMetadata" ma:hidden="true" ma:internalName="MediaServiceFastMetadata" ma:readOnly="true">
+      <xsd:simpleType>
+        <xsd:restriction base="dms:Note"/>
+      </xsd:simpleType>
+    </xsd:element>
+  </xsd:schema>
+  <xsd:schema xmlns="http://schemas.openxmlformats.org/package/2006/metadata/core-properties" xmlns:xsd="http://www.w3.org/2001/XMLSchema" xmlns:xsi="http://www.w3.org/2001/XMLSchema-instance" xmlns:dc="http://purl.org/dc/elements/1.1/" xmlns:dcterms="http://purl.org/dc/terms/" xmlns:odoc="http://schemas.microsoft.com/internal/obd" targetNamespace="http://schemas.openxmlformats.org/package/2006/metadata/core-properties" elementFormDefault="qualified" attributeFormDefault="unqualified" blockDefault="#all">
+    <xsd:import namespace="http://purl.org/dc/elements/1.1/" schemaLocation="http://dublincore.org/schemas/xmls/qdc/2003/04/02/dc.xsd"/>
+    <xsd:import namespace="http://purl.org/dc/terms/" schemaLocation="http://dublincore.org/schemas/xmls/qdc/2003/04/02/dcterms.xsd"/>
+    <xsd:element name="coreProperties" type="CT_coreProperties"/>
+    <xsd:complexType name="CT_coreProperties">
+      <xsd:all>
+        <xsd:element ref="dc:creator" minOccurs="0" maxOccurs="1"/>
+        <xsd:element ref="dcterms:created" minOccurs="0" maxOccurs="1"/>
+        <xsd:element ref="dc:identifier" minOccurs="0" maxOccurs="1"/>
+        <xsd:element name="contentType" minOccurs="0" maxOccurs="1" type="xsd:string" ma:index="0" ma:displayName="Tipo de Conteúdo"/>
+        <xsd:element ref="dc:title" minOccurs="0" maxOccurs="1" ma:index="4" ma:displayName="Título"/>
+        <xsd:element ref="dc:subject" minOccurs="0" maxOccurs="1"/>
+        <xsd:element ref="dc:description" minOccurs="0" maxOccurs="1"/>
+        <xsd:element name="keywords" minOccurs="0" maxOccurs="1" type="xsd:string"/>
+        <xsd:element ref="dc:language" minOccurs="0" maxOccurs="1"/>
+        <xsd:element name="category" minOccurs="0" maxOccurs="1" type="xsd:string"/>
+        <xsd:element name="version" minOccurs="0" maxOccurs="1" type="xsd:string"/>
+        <xsd:element name="revision" minOccurs="0" maxOccurs="1" type="xsd:string">
+          <xsd:annotation>
+            <xsd:documentation>
+                        This value indicates the number of saves or revisions. The application is responsible for updating this value after each revision.
+                    </xsd:documentation>
+          </xsd:annotation>
+        </xsd:element>
+        <xsd:element name="lastModifiedBy" minOccurs="0" maxOccurs="1" type="xsd:string"/>
+        <xsd:element ref="dcterms:modified" minOccurs="0" maxOccurs="1"/>
+        <xsd:element name="contentStatus" minOccurs="0" maxOccurs="1" type="xsd:string"/>
+      </xsd:all>
+    </xsd:complexType>
+  </xsd:schema>
+  <xs:schema xmlns:pc="http://schemas.microsoft.com/office/infopath/2007/PartnerControls" xmlns:xs="http://www.w3.org/2001/XMLSchema" targetNamespace="http://schemas.microsoft.com/office/infopath/2007/PartnerControls" elementFormDefault="qualified" attributeFormDefault="unqualified">
+    <xs:element name="Person">
+      <xs:complexType>
+        <xs:sequence>
+          <xs:element ref="pc:DisplayName" minOccurs="0"/>
+          <xs:element ref="pc:AccountId" minOccurs="0"/>
+          <xs:element ref="pc:AccountType" minOccurs="0"/>
+        </xs:sequence>
+      </xs:complexType>
+    </xs:element>
+    <xs:element name="DisplayName" type="xs:string"/>
+    <xs:element name="AccountId" type="xs:string"/>
+    <xs:element name="AccountType" type="xs:string"/>
+    <xs:element name="BDCAssociatedEntity">
+      <xs:complexType>
+        <xs:sequence>
+          <xs:element ref="pc:BDCEntity" minOccurs="0" maxOccurs="unbounded"/>
+        </xs:sequence>
+        <xs:attribute ref="pc:EntityNamespace"/>
+        <xs:attribute ref="pc:EntityName"/>
+        <xs:attribute ref="pc:SystemInstanceName"/>
+        <xs:attribute ref="pc:AssociationName"/>
+      </xs:complexType>
+    </xs:element>
+    <xs:attribute name="EntityNamespace" type="xs:string"/>
+    <xs:attribute name="EntityName" type="xs:string"/>
+    <xs:attribute name="SystemInstanceName" type="xs:string"/>
+    <xs:attribute name="AssociationName" type="xs:string"/>
+    <xs:element name="BDCEntity">
+      <xs:complexType>
+        <xs:sequence>
+          <xs:element ref="pc:EntityDisplayName" minOccurs="0"/>
+          <xs:element ref="pc:EntityInstanceReference" minOccurs="0"/>
+          <xs:element ref="pc:EntityId1" minOccurs="0"/>
+          <xs:element ref="pc:EntityId2" minOccurs="0"/>
+          <xs:element ref="pc:EntityId3" minOccurs="0"/>
+          <xs:element ref="pc:EntityId4" minOccurs="0"/>
+          <xs:element ref="pc:EntityId5" minOccurs="0"/>
+        </xs:sequence>
+      </xs:complexType>
+    </xs:element>
+    <xs:element name="EntityDisplayName" type="xs:string"/>
+    <xs:element name="EntityInstanceReference" type="xs:string"/>
+    <xs:element name="EntityId1" type="xs:string"/>
+    <xs:element name="EntityId2" type="xs:string"/>
+    <xs:element name="EntityId3" type="xs:string"/>
+    <xs:element name="EntityId4" type="xs:string"/>
+    <xs:element name="EntityId5" type="xs:string"/>
+    <xs:element name="Terms">
+      <xs:complexType>
+        <xs:sequence>
+          <xs:element ref="pc:TermInfo" minOccurs="0" maxOccurs="unbounded"/>
+        </xs:sequence>
+      </xs:complexType>
+    </xs:element>
+    <xs:element name="TermInfo">
+      <xs:complexType>
+        <xs:sequence>
+          <xs:element ref="pc:TermName" minOccurs="0"/>
+          <xs:element ref="pc:TermId" minOccurs="0"/>
+        </xs:sequence>
+      </xs:complexType>
+    </xs:element>
+    <xs:element name="TermName" type="xs:string"/>
+    <xs:element name="TermId" type="xs:string"/>
+  </xs:schema>
+</ct:contentTypeSchema>
+</file>
+
+<file path=customXml/item2.xml><?xml version="1.0" encoding="utf-8"?>
+<?mso-contentType ?>
+<FormTemplates xmlns="http://schemas.microsoft.com/sharepoint/v3/contenttype/forms">
+  <Display>DocumentLibraryForm</Display>
+  <Edit>DocumentLibraryForm</Edit>
+  <New>DocumentLibraryForm</New>
+</FormTemplates>
+</file>
+
+<file path=customXml/item3.xml><?xml version="1.0" encoding="utf-8"?>
+<p:properties xmlns:p="http://schemas.microsoft.com/office/2006/metadata/properties" xmlns:xsi="http://www.w3.org/2001/XMLSchema-instance" xmlns:pc="http://schemas.microsoft.com/office/infopath/2007/PartnerControls">
+  <documentManagement/>
+</p:properties>
+</file>
+
+<file path=customXml/itemProps1.xml><?xml version="1.0" encoding="utf-8"?>
+<ds:datastoreItem xmlns:ds="http://schemas.openxmlformats.org/officeDocument/2006/customXml" ds:itemID="{08A055BF-724B-4A5D-A31C-ECDF395965AC}"/>
+</file>
+
+<file path=customXml/itemProps2.xml><?xml version="1.0" encoding="utf-8"?>
+<ds:datastoreItem xmlns:ds="http://schemas.openxmlformats.org/officeDocument/2006/customXml" ds:itemID="{37B30AA9-B63D-4597-9873-552A07E45400}"/>
+</file>
+
+<file path=customXml/itemProps3.xml><?xml version="1.0" encoding="utf-8"?>
+<ds:datastoreItem xmlns:ds="http://schemas.openxmlformats.org/officeDocument/2006/customXml" ds:itemID="{DD9E9F64-064F-4F84-B903-E88E6EA6BACE}"/>
 </file>